--- a/проект pygame.pptx
+++ b/проект pygame.pptx
@@ -111,6 +111,11 @@
       </a:defRPr>
     </a:lvl9pPr>
   </p:defaultTextStyle>
+  <p:extLst>
+    <p:ext uri="{EFAFB233-063F-42B5-8137-9DF3F51BA10A}">
+      <p15:sldGuideLst xmlns:p15="http://schemas.microsoft.com/office/powerpoint/2012/main"/>
+    </p:ext>
+  </p:extLst>
 </p:presentation>
 </file>
 
@@ -4329,42 +4334,42 @@
   <p:extLst mod="1">
     <p:ext uri="{27BBF7A9-308A-43DC-89C8-2F10F3537804}">
       <p15:sldGuideLst xmlns:p15="http://schemas.microsoft.com/office/powerpoint/2012/main">
-        <p15:guide id="4294967295" orient="horz" pos="1368">
+        <p15:guide id="1" orient="horz" pos="1368">
           <p15:clr>
             <a:srgbClr val="F26B43"/>
           </p15:clr>
         </p15:guide>
-        <p15:guide id="4294967295" orient="horz" pos="1440">
+        <p15:guide id="2" orient="horz" pos="1440">
           <p15:clr>
             <a:srgbClr val="F26B43"/>
           </p15:clr>
         </p15:guide>
-        <p15:guide id="4294967295" orient="horz" pos="3696">
+        <p15:guide id="3" orient="horz" pos="3696">
           <p15:clr>
             <a:srgbClr val="F26B43"/>
           </p15:clr>
         </p15:guide>
-        <p15:guide id="4294967295" orient="horz" pos="432">
+        <p15:guide id="4" orient="horz" pos="432">
           <p15:clr>
             <a:srgbClr val="F26B43"/>
           </p15:clr>
         </p15:guide>
-        <p15:guide id="4294967295" orient="horz" pos="1512">
+        <p15:guide id="5" orient="horz" pos="1512">
           <p15:clr>
             <a:srgbClr val="F26B43"/>
           </p15:clr>
         </p15:guide>
-        <p15:guide id="4294967295" pos="6912">
+        <p15:guide id="6" pos="6912">
           <p15:clr>
             <a:srgbClr val="F26B43"/>
           </p15:clr>
         </p15:guide>
-        <p15:guide id="4294967295" pos="936">
+        <p15:guide id="7" pos="936">
           <p15:clr>
             <a:srgbClr val="F26B43"/>
           </p15:clr>
         </p15:guide>
-        <p15:guide id="4294967295" pos="864">
+        <p15:guide id="8" pos="864">
           <p15:clr>
             <a:srgbClr val="F26B43"/>
           </p15:clr>
